--- a/gpu/EE817 Lecture 5 CUDA Memory Architecture.pptx
+++ b/gpu/EE817 Lecture 5 CUDA Memory Architecture.pptx
@@ -301,7 +301,7 @@
           <a:p>
             <a:fld id="{0958D145-3F61-4970-8B92-DDA610F3EB4F}" type="datetimeFigureOut">
               <a:rPr lang="ko-KR" altLang="en-US" smtClean="0"/>
-              <a:t>2017-03-16</a:t>
+              <a:t>2017-03-21</a:t>
             </a:fld>
             <a:endParaRPr lang="ko-KR" altLang="en-US" dirty="0"/>
           </a:p>
@@ -496,7 +496,7 @@
               <a:pPr>
                 <a:defRPr/>
               </a:pPr>
-              <a:t>2017-03-16</a:t>
+              <a:t>2017-03-21</a:t>
             </a:fld>
             <a:endParaRPr lang="ko-KR" altLang="en-US" dirty="0"/>
           </a:p>
@@ -1268,7 +1268,7 @@
               <a:pPr>
                 <a:defRPr/>
               </a:pPr>
-              <a:t>3/16/2017</a:t>
+              <a:t>3/21/2017</a:t>
             </a:fld>
             <a:endParaRPr lang="en-US" altLang="ko-KR" dirty="0"/>
           </a:p>
@@ -1470,7 +1470,7 @@
               <a:pPr>
                 <a:defRPr/>
               </a:pPr>
-              <a:t>3/16/2017</a:t>
+              <a:t>3/21/2017</a:t>
             </a:fld>
             <a:endParaRPr lang="en-US" altLang="ko-KR" dirty="0"/>
           </a:p>
@@ -1903,7 +1903,7 @@
               <a:pPr>
                 <a:defRPr/>
               </a:pPr>
-              <a:t>3/16/2017</a:t>
+              <a:t>3/21/2017</a:t>
             </a:fld>
             <a:endParaRPr lang="en-US" altLang="ko-KR" dirty="0"/>
           </a:p>
@@ -2100,7 +2100,7 @@
               <a:pPr>
                 <a:defRPr/>
               </a:pPr>
-              <a:t>3/16/2017</a:t>
+              <a:t>3/21/2017</a:t>
             </a:fld>
             <a:endParaRPr lang="en-US" altLang="ko-KR" dirty="0"/>
           </a:p>
@@ -2615,7 +2615,7 @@
               <a:pPr>
                 <a:defRPr/>
               </a:pPr>
-              <a:t>3/16/2017</a:t>
+              <a:t>3/21/2017</a:t>
             </a:fld>
             <a:endParaRPr lang="en-US" altLang="ko-KR" dirty="0"/>
           </a:p>
@@ -2930,7 +2930,7 @@
               <a:pPr>
                 <a:defRPr/>
               </a:pPr>
-              <a:t>3/16/2017</a:t>
+              <a:t>3/21/2017</a:t>
             </a:fld>
             <a:endParaRPr lang="en-US" altLang="ko-KR" dirty="0"/>
           </a:p>
@@ -3433,7 +3433,7 @@
               <a:pPr>
                 <a:defRPr/>
               </a:pPr>
-              <a:t>3/16/2017</a:t>
+              <a:t>3/21/2017</a:t>
             </a:fld>
             <a:endParaRPr lang="en-US" altLang="ko-KR" dirty="0"/>
           </a:p>
@@ -3821,7 +3821,7 @@
               <a:pPr>
                 <a:defRPr/>
               </a:pPr>
-              <a:t>3/16/2017</a:t>
+              <a:t>3/21/2017</a:t>
             </a:fld>
             <a:endParaRPr lang="en-US" altLang="ko-KR" dirty="0"/>
           </a:p>
@@ -4279,7 +4279,7 @@
               <a:pPr>
                 <a:defRPr/>
               </a:pPr>
-              <a:t>3/16/2017</a:t>
+              <a:t>3/21/2017</a:t>
             </a:fld>
             <a:endParaRPr lang="en-US" altLang="ko-KR" dirty="0"/>
           </a:p>
@@ -4577,7 +4577,7 @@
               <a:pPr>
                 <a:defRPr/>
               </a:pPr>
-              <a:t>3/16/2017</a:t>
+              <a:t>3/21/2017</a:t>
             </a:fld>
             <a:endParaRPr lang="en-US" altLang="ko-KR" dirty="0"/>
           </a:p>
@@ -4907,7 +4907,7 @@
               <a:pPr>
                 <a:defRPr/>
               </a:pPr>
-              <a:t>3/16/2017</a:t>
+              <a:t>3/21/2017</a:t>
             </a:fld>
             <a:endParaRPr lang="en-US" altLang="ko-KR" dirty="0"/>
           </a:p>
@@ -5425,7 +5425,7 @@
               <a:pPr>
                 <a:defRPr/>
               </a:pPr>
-              <a:t>3/16/2017</a:t>
+              <a:t>3/21/2017</a:t>
             </a:fld>
             <a:endParaRPr lang="en-US" altLang="ko-KR" dirty="0"/>
           </a:p>
@@ -22419,7 +22419,7 @@
         <p:spPr>
           <a:xfrm>
             <a:off x="1187624" y="4869160"/>
-            <a:ext cx="7416824" cy="369332"/>
+            <a:ext cx="7416824" cy="646331"/>
           </a:xfrm>
           <a:prstGeom prst="rect">
             <a:avLst/>
@@ -22436,7 +22436,15 @@
               <a:rPr lang="en-US" altLang="ko-KR" dirty="0">
                 <a:latin typeface="+mn-lt"/>
               </a:rPr>
-              <a:t>Aligned?       Coalesced?   How many memory transaction?</a:t>
+              <a:t>Aligned?   o    Coalesced? o  How many memory transaction? 1</a:t>
+            </a:r>
+          </a:p>
+          <a:p>
+            <a:r>
+              <a:rPr lang="en-US" altLang="ko-KR" dirty="0">
+                <a:latin typeface="+mn-lt"/>
+              </a:rPr>
+              <a:t>bus utilization 100%</a:t>
             </a:r>
             <a:endParaRPr lang="ko-KR" altLang="en-US" dirty="0">
               <a:latin typeface="+mn-lt"/>
@@ -23544,7 +23552,7 @@
         <p:spPr>
           <a:xfrm>
             <a:off x="1563047" y="4941168"/>
-            <a:ext cx="6249313" cy="646331"/>
+            <a:ext cx="6249313" cy="1200329"/>
           </a:xfrm>
           <a:prstGeom prst="rect">
             <a:avLst/>
@@ -23561,7 +23569,7 @@
               <a:rPr lang="en-US" altLang="ko-KR" dirty="0">
                 <a:latin typeface="+mn-lt"/>
               </a:rPr>
-              <a:t>Access is aligned and  randomized within 128 bytes range.</a:t>
+              <a:t>Access is aligned and  randomized within 128 bytes range . (not coalesced)</a:t>
             </a:r>
           </a:p>
           <a:p>
@@ -23569,8 +23577,17 @@
               <a:rPr lang="en-US" altLang="ko-KR" dirty="0">
                 <a:latin typeface="+mn-lt"/>
               </a:rPr>
-              <a:t>How many 128-byte transaction is needed?</a:t>
-            </a:r>
+              <a:t>How many 128-byte transaction is needed? 1</a:t>
+            </a:r>
+          </a:p>
+          <a:p>
+            <a:r>
+              <a:rPr lang="en-US" altLang="ko-KR" dirty="0"/>
+              <a:t>buss utilization 100%</a:t>
+            </a:r>
+            <a:endParaRPr lang="en-US" altLang="ko-KR" dirty="0">
+              <a:latin typeface="+mn-lt"/>
+            </a:endParaRPr>
           </a:p>
         </p:txBody>
       </p:sp>
@@ -24674,7 +24691,7 @@
         <p:spPr>
           <a:xfrm>
             <a:off x="1331640" y="5085184"/>
-            <a:ext cx="6912768" cy="369332"/>
+            <a:ext cx="6912768" cy="923330"/>
           </a:xfrm>
           <a:prstGeom prst="rect">
             <a:avLst/>
@@ -24691,7 +24708,21 @@
               <a:rPr lang="en-US" altLang="ko-KR" dirty="0">
                 <a:latin typeface="+mn-lt"/>
               </a:rPr>
-              <a:t>How many 128-bytes transactions are required?</a:t>
+              <a:t>How many 128-bytes transactions are required? 2</a:t>
+            </a:r>
+          </a:p>
+          <a:p>
+            <a:r>
+              <a:rPr lang="en-US" altLang="ko-KR" dirty="0"/>
+              <a:t>Aligned?   X    Coalesced? X</a:t>
+            </a:r>
+          </a:p>
+          <a:p>
+            <a:r>
+              <a:rPr lang="en-US" altLang="ko-KR" dirty="0">
+                <a:latin typeface="+mn-lt"/>
+              </a:rPr>
+              <a:t>bus utilization 50%</a:t>
             </a:r>
             <a:endParaRPr lang="ko-KR" altLang="en-US" dirty="0">
               <a:latin typeface="+mn-lt"/>
@@ -25824,7 +25855,7 @@
               <a:rPr lang="en-US" altLang="ko-KR" dirty="0">
                 <a:latin typeface="+mn-lt"/>
               </a:rPr>
-              <a:t>Bus utilization?</a:t>
+              <a:t>Bus utilization? 4/128 %</a:t>
             </a:r>
             <a:endParaRPr lang="ko-KR" altLang="en-US" dirty="0">
               <a:latin typeface="+mn-lt"/>
@@ -32503,7 +32534,7 @@
           <a:p>
             <a:r>
               <a:rPr lang="en-US" altLang="ko-KR" dirty="0"/>
-              <a:t>L2 cache is used before being sent to device memory.</a:t>
+              <a:t>L2 cache is used before being sent to device memory. (global memory)</a:t>
             </a:r>
           </a:p>
           <a:p>

--- a/gpu/EE817 Lecture 5 CUDA Memory Architecture.pptx
+++ b/gpu/EE817 Lecture 5 CUDA Memory Architecture.pptx
@@ -302,7 +302,7 @@
           <a:p>
             <a:fld id="{0958D145-3F61-4970-8B92-DDA610F3EB4F}" type="datetimeFigureOut">
               <a:rPr lang="ko-KR" altLang="en-US" smtClean="0"/>
-              <a:t>2017-03-23</a:t>
+              <a:t>2017-04-11</a:t>
             </a:fld>
             <a:endParaRPr lang="ko-KR" altLang="en-US" dirty="0"/>
           </a:p>
@@ -497,7 +497,7 @@
               <a:pPr>
                 <a:defRPr/>
               </a:pPr>
-              <a:t>2017-03-23</a:t>
+              <a:t>2017-04-10</a:t>
             </a:fld>
             <a:endParaRPr lang="ko-KR" altLang="en-US" dirty="0"/>
           </a:p>
@@ -1269,7 +1269,7 @@
               <a:pPr>
                 <a:defRPr/>
               </a:pPr>
-              <a:t>3/23/2017</a:t>
+              <a:t>4/10/2017</a:t>
             </a:fld>
             <a:endParaRPr lang="en-US" altLang="ko-KR" dirty="0"/>
           </a:p>
@@ -1471,7 +1471,7 @@
               <a:pPr>
                 <a:defRPr/>
               </a:pPr>
-              <a:t>3/23/2017</a:t>
+              <a:t>4/10/2017</a:t>
             </a:fld>
             <a:endParaRPr lang="en-US" altLang="ko-KR" dirty="0"/>
           </a:p>
@@ -1904,7 +1904,7 @@
               <a:pPr>
                 <a:defRPr/>
               </a:pPr>
-              <a:t>3/23/2017</a:t>
+              <a:t>4/10/2017</a:t>
             </a:fld>
             <a:endParaRPr lang="en-US" altLang="ko-KR" dirty="0"/>
           </a:p>
@@ -2101,7 +2101,7 @@
               <a:pPr>
                 <a:defRPr/>
               </a:pPr>
-              <a:t>3/23/2017</a:t>
+              <a:t>4/10/2017</a:t>
             </a:fld>
             <a:endParaRPr lang="en-US" altLang="ko-KR" dirty="0"/>
           </a:p>
@@ -2616,7 +2616,7 @@
               <a:pPr>
                 <a:defRPr/>
               </a:pPr>
-              <a:t>3/23/2017</a:t>
+              <a:t>4/10/2017</a:t>
             </a:fld>
             <a:endParaRPr lang="en-US" altLang="ko-KR" dirty="0"/>
           </a:p>
@@ -2931,7 +2931,7 @@
               <a:pPr>
                 <a:defRPr/>
               </a:pPr>
-              <a:t>3/23/2017</a:t>
+              <a:t>4/10/2017</a:t>
             </a:fld>
             <a:endParaRPr lang="en-US" altLang="ko-KR" dirty="0"/>
           </a:p>
@@ -3434,7 +3434,7 @@
               <a:pPr>
                 <a:defRPr/>
               </a:pPr>
-              <a:t>3/23/2017</a:t>
+              <a:t>4/10/2017</a:t>
             </a:fld>
             <a:endParaRPr lang="en-US" altLang="ko-KR" dirty="0"/>
           </a:p>
@@ -3822,7 +3822,7 @@
               <a:pPr>
                 <a:defRPr/>
               </a:pPr>
-              <a:t>3/23/2017</a:t>
+              <a:t>4/10/2017</a:t>
             </a:fld>
             <a:endParaRPr lang="en-US" altLang="ko-KR" dirty="0"/>
           </a:p>
@@ -4280,7 +4280,7 @@
               <a:pPr>
                 <a:defRPr/>
               </a:pPr>
-              <a:t>3/23/2017</a:t>
+              <a:t>4/10/2017</a:t>
             </a:fld>
             <a:endParaRPr lang="en-US" altLang="ko-KR" dirty="0"/>
           </a:p>
@@ -4578,7 +4578,7 @@
               <a:pPr>
                 <a:defRPr/>
               </a:pPr>
-              <a:t>3/23/2017</a:t>
+              <a:t>4/10/2017</a:t>
             </a:fld>
             <a:endParaRPr lang="en-US" altLang="ko-KR" dirty="0"/>
           </a:p>
@@ -4908,7 +4908,7 @@
               <a:pPr>
                 <a:defRPr/>
               </a:pPr>
-              <a:t>3/23/2017</a:t>
+              <a:t>4/10/2017</a:t>
             </a:fld>
             <a:endParaRPr lang="en-US" altLang="ko-KR" dirty="0"/>
           </a:p>
@@ -5426,7 +5426,7 @@
               <a:pPr>
                 <a:defRPr/>
               </a:pPr>
-              <a:t>3/23/2017</a:t>
+              <a:t>4/10/2017</a:t>
             </a:fld>
             <a:endParaRPr lang="en-US" altLang="ko-KR" dirty="0"/>
           </a:p>
@@ -16351,659 +16351,674 @@
           </a:p>
         </p:txBody>
       </p:sp>
-      <p:sp>
-        <p:nvSpPr>
-          <p:cNvPr id="4" name="직사각형 3"/>
-          <p:cNvSpPr/>
+      <p:grpSp>
+        <p:nvGrpSpPr>
+          <p:cNvPr id="13" name="그룹 12"/>
+          <p:cNvGrpSpPr/>
           <p:nvPr/>
-        </p:nvSpPr>
-        <p:spPr>
+        </p:nvGrpSpPr>
+        <p:grpSpPr>
           <a:xfrm>
-            <a:off x="1763688" y="3806826"/>
-            <a:ext cx="1152128" cy="648072"/>
+            <a:off x="1259632" y="1412776"/>
+            <a:ext cx="5472608" cy="2610074"/>
+            <a:chOff x="1187624" y="1844824"/>
+            <a:chExt cx="5472608" cy="2610074"/>
           </a:xfrm>
-          <a:prstGeom prst="rect">
-            <a:avLst/>
-          </a:prstGeom>
-        </p:spPr>
-        <p:style>
-          <a:lnRef idx="2">
-            <a:schemeClr val="accent1">
-              <a:shade val="50000"/>
-            </a:schemeClr>
-          </a:lnRef>
-          <a:fillRef idx="1">
-            <a:schemeClr val="accent1"/>
-          </a:fillRef>
-          <a:effectRef idx="0">
-            <a:schemeClr val="accent1"/>
-          </a:effectRef>
-          <a:fontRef idx="minor">
-            <a:schemeClr val="lt1"/>
-          </a:fontRef>
-        </p:style>
-        <p:txBody>
-          <a:bodyPr rtlCol="0" anchor="ctr"/>
-          <a:lstStyle/>
-          <a:p>
-            <a:pPr algn="ctr"/>
-            <a:r>
-              <a:rPr lang="en-US" altLang="ko-KR" dirty="0"/>
-              <a:t>CPU</a:t>
-            </a:r>
-            <a:endParaRPr lang="ko-KR" altLang="en-US" dirty="0"/>
-          </a:p>
-        </p:txBody>
-      </p:sp>
-      <p:sp>
-        <p:nvSpPr>
-          <p:cNvPr id="5" name="직사각형 4"/>
-          <p:cNvSpPr/>
-          <p:nvPr/>
-        </p:nvSpPr>
-        <p:spPr>
-          <a:xfrm>
-            <a:off x="3347864" y="3806826"/>
-            <a:ext cx="1152128" cy="648072"/>
-          </a:xfrm>
-          <a:prstGeom prst="rect">
-            <a:avLst/>
-          </a:prstGeom>
-        </p:spPr>
-        <p:style>
-          <a:lnRef idx="2">
-            <a:schemeClr val="accent1">
-              <a:shade val="50000"/>
-            </a:schemeClr>
-          </a:lnRef>
-          <a:fillRef idx="1">
-            <a:schemeClr val="accent1"/>
-          </a:fillRef>
-          <a:effectRef idx="0">
-            <a:schemeClr val="accent1"/>
-          </a:effectRef>
-          <a:fontRef idx="minor">
-            <a:schemeClr val="lt1"/>
-          </a:fontRef>
-        </p:style>
-        <p:txBody>
-          <a:bodyPr rtlCol="0" anchor="ctr"/>
-          <a:lstStyle/>
-          <a:p>
-            <a:pPr algn="ctr"/>
-            <a:r>
-              <a:rPr lang="en-US" altLang="ko-KR" dirty="0"/>
-              <a:t>GPU0</a:t>
-            </a:r>
-            <a:endParaRPr lang="ko-KR" altLang="en-US" dirty="0"/>
-          </a:p>
-        </p:txBody>
-      </p:sp>
-      <p:sp>
-        <p:nvSpPr>
-          <p:cNvPr id="6" name="직사각형 5"/>
-          <p:cNvSpPr/>
-          <p:nvPr/>
-        </p:nvSpPr>
-        <p:spPr>
-          <a:xfrm>
-            <a:off x="5148064" y="3806826"/>
-            <a:ext cx="1152128" cy="648072"/>
-          </a:xfrm>
-          <a:prstGeom prst="rect">
-            <a:avLst/>
-          </a:prstGeom>
-        </p:spPr>
-        <p:style>
-          <a:lnRef idx="2">
-            <a:schemeClr val="accent1">
-              <a:shade val="50000"/>
-            </a:schemeClr>
-          </a:lnRef>
-          <a:fillRef idx="1">
-            <a:schemeClr val="accent1"/>
-          </a:fillRef>
-          <a:effectRef idx="0">
-            <a:schemeClr val="accent1"/>
-          </a:effectRef>
-          <a:fontRef idx="minor">
-            <a:schemeClr val="lt1"/>
-          </a:fontRef>
-        </p:style>
-        <p:txBody>
-          <a:bodyPr rtlCol="0" anchor="ctr"/>
-          <a:lstStyle/>
-          <a:p>
-            <a:pPr algn="ctr"/>
-            <a:r>
-              <a:rPr lang="en-US" altLang="ko-KR" dirty="0"/>
-              <a:t>GPU1</a:t>
-            </a:r>
-            <a:endParaRPr lang="ko-KR" altLang="en-US" dirty="0"/>
-          </a:p>
-        </p:txBody>
-      </p:sp>
-      <p:sp>
-        <p:nvSpPr>
-          <p:cNvPr id="7" name="직사각형 6"/>
-          <p:cNvSpPr/>
-          <p:nvPr/>
-        </p:nvSpPr>
-        <p:spPr>
-          <a:xfrm>
-            <a:off x="1691680" y="2996952"/>
-            <a:ext cx="4536504" cy="576064"/>
-          </a:xfrm>
-          <a:prstGeom prst="rect">
-            <a:avLst/>
-          </a:prstGeom>
-          <a:solidFill>
-            <a:srgbClr val="002060"/>
-          </a:solidFill>
-        </p:spPr>
-        <p:style>
-          <a:lnRef idx="2">
-            <a:schemeClr val="accent1">
-              <a:shade val="50000"/>
-            </a:schemeClr>
-          </a:lnRef>
-          <a:fillRef idx="1">
-            <a:schemeClr val="accent1"/>
-          </a:fillRef>
-          <a:effectRef idx="0">
-            <a:schemeClr val="accent1"/>
-          </a:effectRef>
-          <a:fontRef idx="minor">
-            <a:schemeClr val="lt1"/>
-          </a:fontRef>
-        </p:style>
-        <p:txBody>
-          <a:bodyPr rtlCol="0" anchor="ctr"/>
-          <a:lstStyle/>
-          <a:p>
-            <a:pPr algn="ctr"/>
-            <a:endParaRPr lang="ko-KR" altLang="en-US" dirty="0"/>
-          </a:p>
-        </p:txBody>
-      </p:sp>
-      <p:cxnSp>
-        <p:nvCxnSpPr>
-          <p:cNvPr id="9" name="직선 연결선 8"/>
-          <p:cNvCxnSpPr/>
-          <p:nvPr/>
-        </p:nvCxnSpPr>
-        <p:spPr>
-          <a:xfrm>
-            <a:off x="3059832" y="2996952"/>
-            <a:ext cx="0" cy="576064"/>
-          </a:xfrm>
-          <a:prstGeom prst="line">
-            <a:avLst/>
-          </a:prstGeom>
-          <a:ln w="12700">
+        </p:grpSpPr>
+        <p:sp>
+          <p:nvSpPr>
+            <p:cNvPr id="4" name="직사각형 3"/>
+            <p:cNvSpPr/>
+            <p:nvPr/>
+          </p:nvSpPr>
+          <p:spPr>
+            <a:xfrm>
+              <a:off x="1763688" y="3806826"/>
+              <a:ext cx="1152128" cy="648072"/>
+            </a:xfrm>
+            <a:prstGeom prst="rect">
+              <a:avLst/>
+            </a:prstGeom>
+          </p:spPr>
+          <p:style>
+            <a:lnRef idx="2">
+              <a:schemeClr val="accent1">
+                <a:shade val="50000"/>
+              </a:schemeClr>
+            </a:lnRef>
+            <a:fillRef idx="1">
+              <a:schemeClr val="accent1"/>
+            </a:fillRef>
+            <a:effectRef idx="0">
+              <a:schemeClr val="accent1"/>
+            </a:effectRef>
+            <a:fontRef idx="minor">
+              <a:schemeClr val="lt1"/>
+            </a:fontRef>
+          </p:style>
+          <p:txBody>
+            <a:bodyPr rtlCol="0" anchor="ctr"/>
+            <a:lstStyle/>
+            <a:p>
+              <a:pPr algn="ctr"/>
+              <a:r>
+                <a:rPr lang="en-US" altLang="ko-KR" dirty="0"/>
+                <a:t>CPU</a:t>
+              </a:r>
+              <a:endParaRPr lang="ko-KR" altLang="en-US" dirty="0"/>
+            </a:p>
+          </p:txBody>
+        </p:sp>
+        <p:sp>
+          <p:nvSpPr>
+            <p:cNvPr id="5" name="직사각형 4"/>
+            <p:cNvSpPr/>
+            <p:nvPr/>
+          </p:nvSpPr>
+          <p:spPr>
+            <a:xfrm>
+              <a:off x="3347864" y="3806826"/>
+              <a:ext cx="1152128" cy="648072"/>
+            </a:xfrm>
+            <a:prstGeom prst="rect">
+              <a:avLst/>
+            </a:prstGeom>
+          </p:spPr>
+          <p:style>
+            <a:lnRef idx="2">
+              <a:schemeClr val="accent1">
+                <a:shade val="50000"/>
+              </a:schemeClr>
+            </a:lnRef>
+            <a:fillRef idx="1">
+              <a:schemeClr val="accent1"/>
+            </a:fillRef>
+            <a:effectRef idx="0">
+              <a:schemeClr val="accent1"/>
+            </a:effectRef>
+            <a:fontRef idx="minor">
+              <a:schemeClr val="lt1"/>
+            </a:fontRef>
+          </p:style>
+          <p:txBody>
+            <a:bodyPr rtlCol="0" anchor="ctr"/>
+            <a:lstStyle/>
+            <a:p>
+              <a:pPr algn="ctr"/>
+              <a:r>
+                <a:rPr lang="en-US" altLang="ko-KR" dirty="0"/>
+                <a:t>GPU0</a:t>
+              </a:r>
+              <a:endParaRPr lang="ko-KR" altLang="en-US" dirty="0"/>
+            </a:p>
+          </p:txBody>
+        </p:sp>
+        <p:sp>
+          <p:nvSpPr>
+            <p:cNvPr id="6" name="직사각형 5"/>
+            <p:cNvSpPr/>
+            <p:nvPr/>
+          </p:nvSpPr>
+          <p:spPr>
+            <a:xfrm>
+              <a:off x="5148064" y="3806826"/>
+              <a:ext cx="1152128" cy="648072"/>
+            </a:xfrm>
+            <a:prstGeom prst="rect">
+              <a:avLst/>
+            </a:prstGeom>
+          </p:spPr>
+          <p:style>
+            <a:lnRef idx="2">
+              <a:schemeClr val="accent1">
+                <a:shade val="50000"/>
+              </a:schemeClr>
+            </a:lnRef>
+            <a:fillRef idx="1">
+              <a:schemeClr val="accent1"/>
+            </a:fillRef>
+            <a:effectRef idx="0">
+              <a:schemeClr val="accent1"/>
+            </a:effectRef>
+            <a:fontRef idx="minor">
+              <a:schemeClr val="lt1"/>
+            </a:fontRef>
+          </p:style>
+          <p:txBody>
+            <a:bodyPr rtlCol="0" anchor="ctr"/>
+            <a:lstStyle/>
+            <a:p>
+              <a:pPr algn="ctr"/>
+              <a:r>
+                <a:rPr lang="en-US" altLang="ko-KR" dirty="0"/>
+                <a:t>GPU1</a:t>
+              </a:r>
+              <a:endParaRPr lang="ko-KR" altLang="en-US" dirty="0"/>
+            </a:p>
+          </p:txBody>
+        </p:sp>
+        <p:sp>
+          <p:nvSpPr>
+            <p:cNvPr id="7" name="직사각형 6"/>
+            <p:cNvSpPr/>
+            <p:nvPr/>
+          </p:nvSpPr>
+          <p:spPr>
+            <a:xfrm>
+              <a:off x="1691680" y="2996952"/>
+              <a:ext cx="4536504" cy="576064"/>
+            </a:xfrm>
+            <a:prstGeom prst="rect">
+              <a:avLst/>
+            </a:prstGeom>
             <a:solidFill>
-              <a:srgbClr val="FF0000"/>
+              <a:srgbClr val="002060"/>
             </a:solidFill>
-          </a:ln>
-        </p:spPr>
-        <p:style>
-          <a:lnRef idx="1">
-            <a:schemeClr val="accent1"/>
-          </a:lnRef>
-          <a:fillRef idx="0">
-            <a:schemeClr val="accent1"/>
-          </a:fillRef>
-          <a:effectRef idx="0">
-            <a:schemeClr val="accent1"/>
-          </a:effectRef>
-          <a:fontRef idx="minor">
-            <a:schemeClr val="tx1"/>
-          </a:fontRef>
-        </p:style>
-      </p:cxnSp>
-      <p:cxnSp>
-        <p:nvCxnSpPr>
-          <p:cNvPr id="14" name="직선 연결선 13"/>
-          <p:cNvCxnSpPr/>
-          <p:nvPr/>
-        </p:nvCxnSpPr>
-        <p:spPr>
-          <a:xfrm>
-            <a:off x="4716016" y="2996952"/>
-            <a:ext cx="0" cy="576064"/>
-          </a:xfrm>
-          <a:prstGeom prst="line">
-            <a:avLst/>
-          </a:prstGeom>
-          <a:ln w="12700">
-            <a:solidFill>
-              <a:srgbClr val="FF0000"/>
-            </a:solidFill>
-          </a:ln>
-        </p:spPr>
-        <p:style>
-          <a:lnRef idx="1">
-            <a:schemeClr val="accent1"/>
-          </a:lnRef>
-          <a:fillRef idx="0">
-            <a:schemeClr val="accent1"/>
-          </a:fillRef>
-          <a:effectRef idx="0">
-            <a:schemeClr val="accent1"/>
-          </a:effectRef>
-          <a:fontRef idx="minor">
-            <a:schemeClr val="tx1"/>
-          </a:fontRef>
-        </p:style>
-      </p:cxnSp>
-      <p:sp>
-        <p:nvSpPr>
-          <p:cNvPr id="15" name="TextBox 14"/>
-          <p:cNvSpPr txBox="1"/>
-          <p:nvPr/>
-        </p:nvSpPr>
-        <p:spPr>
-          <a:xfrm>
-            <a:off x="1979712" y="3140968"/>
-            <a:ext cx="720080" cy="461665"/>
-          </a:xfrm>
-          <a:prstGeom prst="rect">
-            <a:avLst/>
-          </a:prstGeom>
-          <a:noFill/>
-        </p:spPr>
-        <p:txBody>
-          <a:bodyPr wrap="square" rtlCol="0">
-            <a:spAutoFit/>
-          </a:bodyPr>
-          <a:lstStyle/>
-          <a:p>
-            <a:r>
-              <a:rPr lang="en-US" altLang="ko-KR" sz="1200" dirty="0">
+          </p:spPr>
+          <p:style>
+            <a:lnRef idx="2">
+              <a:schemeClr val="accent1">
+                <a:shade val="50000"/>
+              </a:schemeClr>
+            </a:lnRef>
+            <a:fillRef idx="1">
+              <a:schemeClr val="accent1"/>
+            </a:fillRef>
+            <a:effectRef idx="0">
+              <a:schemeClr val="accent1"/>
+            </a:effectRef>
+            <a:fontRef idx="minor">
+              <a:schemeClr val="lt1"/>
+            </a:fontRef>
+          </p:style>
+          <p:txBody>
+            <a:bodyPr rtlCol="0" anchor="ctr"/>
+            <a:lstStyle/>
+            <a:p>
+              <a:pPr algn="ctr"/>
+              <a:endParaRPr lang="ko-KR" altLang="en-US" dirty="0"/>
+            </a:p>
+          </p:txBody>
+        </p:sp>
+        <p:cxnSp>
+          <p:nvCxnSpPr>
+            <p:cNvPr id="9" name="직선 연결선 8"/>
+            <p:cNvCxnSpPr/>
+            <p:nvPr/>
+          </p:nvCxnSpPr>
+          <p:spPr>
+            <a:xfrm>
+              <a:off x="3059832" y="2996952"/>
+              <a:ext cx="0" cy="576064"/>
+            </a:xfrm>
+            <a:prstGeom prst="line">
+              <a:avLst/>
+            </a:prstGeom>
+            <a:ln w="12700">
+              <a:solidFill>
+                <a:srgbClr val="FF0000"/>
+              </a:solidFill>
+            </a:ln>
+          </p:spPr>
+          <p:style>
+            <a:lnRef idx="1">
+              <a:schemeClr val="accent1"/>
+            </a:lnRef>
+            <a:fillRef idx="0">
+              <a:schemeClr val="accent1"/>
+            </a:fillRef>
+            <a:effectRef idx="0">
+              <a:schemeClr val="accent1"/>
+            </a:effectRef>
+            <a:fontRef idx="minor">
+              <a:schemeClr val="tx1"/>
+            </a:fontRef>
+          </p:style>
+        </p:cxnSp>
+        <p:cxnSp>
+          <p:nvCxnSpPr>
+            <p:cNvPr id="14" name="직선 연결선 13"/>
+            <p:cNvCxnSpPr/>
+            <p:nvPr/>
+          </p:nvCxnSpPr>
+          <p:spPr>
+            <a:xfrm>
+              <a:off x="4716016" y="2996952"/>
+              <a:ext cx="0" cy="576064"/>
+            </a:xfrm>
+            <a:prstGeom prst="line">
+              <a:avLst/>
+            </a:prstGeom>
+            <a:ln w="12700">
+              <a:solidFill>
+                <a:srgbClr val="FF0000"/>
+              </a:solidFill>
+            </a:ln>
+          </p:spPr>
+          <p:style>
+            <a:lnRef idx="1">
+              <a:schemeClr val="accent1"/>
+            </a:lnRef>
+            <a:fillRef idx="0">
+              <a:schemeClr val="accent1"/>
+            </a:fillRef>
+            <a:effectRef idx="0">
+              <a:schemeClr val="accent1"/>
+            </a:effectRef>
+            <a:fontRef idx="minor">
+              <a:schemeClr val="tx1"/>
+            </a:fontRef>
+          </p:style>
+        </p:cxnSp>
+        <p:sp>
+          <p:nvSpPr>
+            <p:cNvPr id="15" name="TextBox 14"/>
+            <p:cNvSpPr txBox="1"/>
+            <p:nvPr/>
+          </p:nvSpPr>
+          <p:spPr>
+            <a:xfrm>
+              <a:off x="1979712" y="3140968"/>
+              <a:ext cx="720080" cy="461665"/>
+            </a:xfrm>
+            <a:prstGeom prst="rect">
+              <a:avLst/>
+            </a:prstGeom>
+            <a:noFill/>
+          </p:spPr>
+          <p:txBody>
+            <a:bodyPr wrap="square" rtlCol="0">
+              <a:spAutoFit/>
+            </a:bodyPr>
+            <a:lstStyle/>
+            <a:p>
+              <a:r>
+                <a:rPr lang="en-US" altLang="ko-KR" sz="1200" dirty="0">
+                  <a:solidFill>
+                    <a:srgbClr val="FF0000"/>
+                  </a:solidFill>
+                  <a:latin typeface="+mn-lt"/>
+                </a:rPr>
+                <a:t>CPU Memory</a:t>
+              </a:r>
+              <a:endParaRPr lang="ko-KR" altLang="en-US" sz="1200" dirty="0">
                 <a:solidFill>
                   <a:srgbClr val="FF0000"/>
                 </a:solidFill>
                 <a:latin typeface="+mn-lt"/>
-              </a:rPr>
-              <a:t>CPU Memory</a:t>
-            </a:r>
-            <a:endParaRPr lang="ko-KR" altLang="en-US" sz="1200" dirty="0">
-              <a:solidFill>
-                <a:srgbClr val="FF0000"/>
-              </a:solidFill>
-              <a:latin typeface="+mn-lt"/>
-            </a:endParaRPr>
-          </a:p>
-        </p:txBody>
-      </p:sp>
-      <p:sp>
-        <p:nvSpPr>
-          <p:cNvPr id="17" name="TextBox 16"/>
-          <p:cNvSpPr txBox="1"/>
-          <p:nvPr/>
-        </p:nvSpPr>
-        <p:spPr>
-          <a:xfrm>
-            <a:off x="3347864" y="3140968"/>
-            <a:ext cx="936104" cy="461665"/>
-          </a:xfrm>
-          <a:prstGeom prst="rect">
-            <a:avLst/>
-          </a:prstGeom>
-          <a:noFill/>
-        </p:spPr>
-        <p:txBody>
-          <a:bodyPr wrap="square" rtlCol="0">
-            <a:spAutoFit/>
-          </a:bodyPr>
-          <a:lstStyle/>
-          <a:p>
-            <a:r>
-              <a:rPr lang="en-US" altLang="ko-KR" sz="1200" dirty="0">
+              </a:endParaRPr>
+            </a:p>
+          </p:txBody>
+        </p:sp>
+        <p:sp>
+          <p:nvSpPr>
+            <p:cNvPr id="17" name="TextBox 16"/>
+            <p:cNvSpPr txBox="1"/>
+            <p:nvPr/>
+          </p:nvSpPr>
+          <p:spPr>
+            <a:xfrm>
+              <a:off x="3347864" y="3140968"/>
+              <a:ext cx="936104" cy="461665"/>
+            </a:xfrm>
+            <a:prstGeom prst="rect">
+              <a:avLst/>
+            </a:prstGeom>
+            <a:noFill/>
+          </p:spPr>
+          <p:txBody>
+            <a:bodyPr wrap="square" rtlCol="0">
+              <a:spAutoFit/>
+            </a:bodyPr>
+            <a:lstStyle/>
+            <a:p>
+              <a:r>
+                <a:rPr lang="en-US" altLang="ko-KR" sz="1200" dirty="0">
+                  <a:solidFill>
+                    <a:srgbClr val="FF0000"/>
+                  </a:solidFill>
+                  <a:latin typeface="+mn-lt"/>
+                </a:rPr>
+                <a:t>GPU0</a:t>
+              </a:r>
+            </a:p>
+            <a:p>
+              <a:r>
+                <a:rPr lang="en-US" altLang="ko-KR" sz="1200" dirty="0">
+                  <a:solidFill>
+                    <a:srgbClr val="FF0000"/>
+                  </a:solidFill>
+                  <a:latin typeface="+mn-lt"/>
+                </a:rPr>
+                <a:t>Memory</a:t>
+              </a:r>
+              <a:endParaRPr lang="ko-KR" altLang="en-US" sz="1200" dirty="0">
                 <a:solidFill>
                   <a:srgbClr val="FF0000"/>
                 </a:solidFill>
                 <a:latin typeface="+mn-lt"/>
-              </a:rPr>
-              <a:t>GPU0</a:t>
-            </a:r>
-          </a:p>
-          <a:p>
-            <a:r>
-              <a:rPr lang="en-US" altLang="ko-KR" sz="1200" dirty="0">
+              </a:endParaRPr>
+            </a:p>
+          </p:txBody>
+        </p:sp>
+        <p:sp>
+          <p:nvSpPr>
+            <p:cNvPr id="18" name="TextBox 17"/>
+            <p:cNvSpPr txBox="1"/>
+            <p:nvPr/>
+          </p:nvSpPr>
+          <p:spPr>
+            <a:xfrm>
+              <a:off x="4932040" y="3140968"/>
+              <a:ext cx="864096" cy="461665"/>
+            </a:xfrm>
+            <a:prstGeom prst="rect">
+              <a:avLst/>
+            </a:prstGeom>
+            <a:noFill/>
+          </p:spPr>
+          <p:txBody>
+            <a:bodyPr wrap="square" rtlCol="0">
+              <a:spAutoFit/>
+            </a:bodyPr>
+            <a:lstStyle/>
+            <a:p>
+              <a:r>
+                <a:rPr lang="en-US" altLang="ko-KR" sz="1200" dirty="0">
+                  <a:solidFill>
+                    <a:srgbClr val="FF0000"/>
+                  </a:solidFill>
+                  <a:latin typeface="+mn-lt"/>
+                </a:rPr>
+                <a:t>GPU1</a:t>
+              </a:r>
+            </a:p>
+            <a:p>
+              <a:r>
+                <a:rPr lang="en-US" altLang="ko-KR" sz="1200" dirty="0">
+                  <a:solidFill>
+                    <a:srgbClr val="FF0000"/>
+                  </a:solidFill>
+                  <a:latin typeface="+mn-lt"/>
+                </a:rPr>
+                <a:t>Memory</a:t>
+              </a:r>
+              <a:endParaRPr lang="ko-KR" altLang="en-US" sz="1200" dirty="0">
                 <a:solidFill>
                   <a:srgbClr val="FF0000"/>
                 </a:solidFill>
                 <a:latin typeface="+mn-lt"/>
-              </a:rPr>
-              <a:t>Memory</a:t>
-            </a:r>
-            <a:endParaRPr lang="ko-KR" altLang="en-US" sz="1200" dirty="0">
+              </a:endParaRPr>
+            </a:p>
+          </p:txBody>
+        </p:sp>
+        <p:sp>
+          <p:nvSpPr>
+            <p:cNvPr id="19" name="TextBox 18"/>
+            <p:cNvSpPr txBox="1"/>
+            <p:nvPr/>
+          </p:nvSpPr>
+          <p:spPr>
+            <a:xfrm>
+              <a:off x="1187624" y="1844824"/>
+              <a:ext cx="3168352" cy="369332"/>
+            </a:xfrm>
+            <a:prstGeom prst="rect">
+              <a:avLst/>
+            </a:prstGeom>
+            <a:noFill/>
+          </p:spPr>
+          <p:txBody>
+            <a:bodyPr wrap="square" rtlCol="0">
+              <a:spAutoFit/>
+            </a:bodyPr>
+            <a:lstStyle/>
+            <a:p>
+              <a:r>
+                <a:rPr lang="en-US" altLang="ko-KR" dirty="0">
+                  <a:latin typeface="+mn-lt"/>
+                </a:rPr>
+                <a:t>Introduced in CUDA 4.0</a:t>
+              </a:r>
+              <a:endParaRPr lang="ko-KR" altLang="en-US" dirty="0">
+                <a:latin typeface="+mn-lt"/>
+              </a:endParaRPr>
+            </a:p>
+          </p:txBody>
+        </p:sp>
+        <p:sp>
+          <p:nvSpPr>
+            <p:cNvPr id="3" name="TextBox 2"/>
+            <p:cNvSpPr txBox="1"/>
+            <p:nvPr/>
+          </p:nvSpPr>
+          <p:spPr>
+            <a:xfrm>
+              <a:off x="1691680" y="2996952"/>
+              <a:ext cx="432048" cy="369332"/>
+            </a:xfrm>
+            <a:prstGeom prst="rect">
+              <a:avLst/>
+            </a:prstGeom>
+            <a:noFill/>
+          </p:spPr>
+          <p:txBody>
+            <a:bodyPr wrap="square" rtlCol="0">
+              <a:spAutoFit/>
+            </a:bodyPr>
+            <a:lstStyle/>
+            <a:p>
+              <a:r>
+                <a:rPr lang="en-US" altLang="ko-KR" dirty="0"/>
+                <a:t>0</a:t>
+              </a:r>
+              <a:endParaRPr lang="ko-KR" altLang="en-US" dirty="0"/>
+            </a:p>
+          </p:txBody>
+        </p:sp>
+        <p:sp>
+          <p:nvSpPr>
+            <p:cNvPr id="8" name="TextBox 7"/>
+            <p:cNvSpPr txBox="1"/>
+            <p:nvPr/>
+          </p:nvSpPr>
+          <p:spPr>
+            <a:xfrm>
+              <a:off x="1691680" y="2708920"/>
+              <a:ext cx="1152128" cy="369332"/>
+            </a:xfrm>
+            <a:prstGeom prst="rect">
+              <a:avLst/>
+            </a:prstGeom>
+            <a:noFill/>
+          </p:spPr>
+          <p:txBody>
+            <a:bodyPr wrap="square" rtlCol="0">
+              <a:spAutoFit/>
+            </a:bodyPr>
+            <a:lstStyle/>
+            <a:p>
+              <a:r>
+                <a:rPr lang="en-US" altLang="ko-KR" dirty="0">
+                  <a:latin typeface="+mn-lt"/>
+                </a:rPr>
+                <a:t>0x0000</a:t>
+              </a:r>
+              <a:endParaRPr lang="ko-KR" altLang="en-US" dirty="0">
+                <a:latin typeface="+mn-lt"/>
+              </a:endParaRPr>
+            </a:p>
+          </p:txBody>
+        </p:sp>
+        <p:sp>
+          <p:nvSpPr>
+            <p:cNvPr id="10" name="TextBox 9"/>
+            <p:cNvSpPr txBox="1"/>
+            <p:nvPr/>
+          </p:nvSpPr>
+          <p:spPr>
+            <a:xfrm>
+              <a:off x="5580112" y="2708920"/>
+              <a:ext cx="1080120" cy="369332"/>
+            </a:xfrm>
+            <a:prstGeom prst="rect">
+              <a:avLst/>
+            </a:prstGeom>
+            <a:noFill/>
+          </p:spPr>
+          <p:txBody>
+            <a:bodyPr wrap="square" rtlCol="0">
+              <a:spAutoFit/>
+            </a:bodyPr>
+            <a:lstStyle/>
+            <a:p>
+              <a:r>
+                <a:rPr lang="en-US" altLang="ko-KR" dirty="0">
+                  <a:latin typeface="+mn-lt"/>
+                </a:rPr>
+                <a:t>0xFFFF</a:t>
+              </a:r>
+              <a:endParaRPr lang="ko-KR" altLang="en-US" dirty="0">
+                <a:latin typeface="+mn-lt"/>
+              </a:endParaRPr>
+            </a:p>
+          </p:txBody>
+        </p:sp>
+        <p:cxnSp>
+          <p:nvCxnSpPr>
+            <p:cNvPr id="12" name="직선 연결선 11"/>
+            <p:cNvCxnSpPr>
+              <a:stCxn id="15" idx="2"/>
+              <a:endCxn id="4" idx="0"/>
+            </p:cNvCxnSpPr>
+            <p:nvPr/>
+          </p:nvCxnSpPr>
+          <p:spPr>
+            <a:xfrm>
+              <a:off x="2339752" y="3602633"/>
+              <a:ext cx="0" cy="204193"/>
+            </a:xfrm>
+            <a:prstGeom prst="line">
+              <a:avLst/>
+            </a:prstGeom>
+            <a:ln>
               <a:solidFill>
                 <a:srgbClr val="FF0000"/>
               </a:solidFill>
-              <a:latin typeface="+mn-lt"/>
-            </a:endParaRPr>
-          </a:p>
-        </p:txBody>
-      </p:sp>
-      <p:sp>
-        <p:nvSpPr>
-          <p:cNvPr id="18" name="TextBox 17"/>
-          <p:cNvSpPr txBox="1"/>
-          <p:nvPr/>
-        </p:nvSpPr>
-        <p:spPr>
-          <a:xfrm>
-            <a:off x="4932040" y="3140968"/>
-            <a:ext cx="864096" cy="461665"/>
-          </a:xfrm>
-          <a:prstGeom prst="rect">
-            <a:avLst/>
-          </a:prstGeom>
-          <a:noFill/>
-        </p:spPr>
-        <p:txBody>
-          <a:bodyPr wrap="square" rtlCol="0">
-            <a:spAutoFit/>
-          </a:bodyPr>
-          <a:lstStyle/>
-          <a:p>
-            <a:r>
-              <a:rPr lang="en-US" altLang="ko-KR" sz="1200" dirty="0">
-                <a:solidFill>
-                  <a:srgbClr val="FF0000"/>
-                </a:solidFill>
-                <a:latin typeface="+mn-lt"/>
-              </a:rPr>
-              <a:t>GPU1</a:t>
-            </a:r>
-          </a:p>
-          <a:p>
-            <a:r>
-              <a:rPr lang="en-US" altLang="ko-KR" sz="1200" dirty="0">
-                <a:solidFill>
-                  <a:srgbClr val="FF0000"/>
-                </a:solidFill>
-                <a:latin typeface="+mn-lt"/>
-              </a:rPr>
-              <a:t>Memory</a:t>
-            </a:r>
-            <a:endParaRPr lang="ko-KR" altLang="en-US" sz="1200" dirty="0">
+            </a:ln>
+          </p:spPr>
+          <p:style>
+            <a:lnRef idx="1">
+              <a:schemeClr val="accent1"/>
+            </a:lnRef>
+            <a:fillRef idx="0">
+              <a:schemeClr val="accent1"/>
+            </a:fillRef>
+            <a:effectRef idx="0">
+              <a:schemeClr val="accent1"/>
+            </a:effectRef>
+            <a:fontRef idx="minor">
+              <a:schemeClr val="tx1"/>
+            </a:fontRef>
+          </p:style>
+        </p:cxnSp>
+        <p:cxnSp>
+          <p:nvCxnSpPr>
+            <p:cNvPr id="20" name="직선 연결선 19"/>
+            <p:cNvCxnSpPr/>
+            <p:nvPr/>
+          </p:nvCxnSpPr>
+          <p:spPr>
+            <a:xfrm>
+              <a:off x="3884636" y="3608916"/>
+              <a:ext cx="0" cy="204193"/>
+            </a:xfrm>
+            <a:prstGeom prst="line">
+              <a:avLst/>
+            </a:prstGeom>
+            <a:ln>
               <a:solidFill>
                 <a:srgbClr val="FF0000"/>
               </a:solidFill>
-              <a:latin typeface="+mn-lt"/>
-            </a:endParaRPr>
-          </a:p>
-        </p:txBody>
-      </p:sp>
-      <p:sp>
-        <p:nvSpPr>
-          <p:cNvPr id="19" name="TextBox 18"/>
-          <p:cNvSpPr txBox="1"/>
-          <p:nvPr/>
-        </p:nvSpPr>
-        <p:spPr>
-          <a:xfrm>
-            <a:off x="1187624" y="1844824"/>
-            <a:ext cx="3168352" cy="369332"/>
-          </a:xfrm>
-          <a:prstGeom prst="rect">
-            <a:avLst/>
-          </a:prstGeom>
-          <a:noFill/>
-        </p:spPr>
-        <p:txBody>
-          <a:bodyPr wrap="square" rtlCol="0">
-            <a:spAutoFit/>
-          </a:bodyPr>
-          <a:lstStyle/>
-          <a:p>
-            <a:r>
-              <a:rPr lang="en-US" altLang="ko-KR" dirty="0">
-                <a:latin typeface="+mn-lt"/>
-              </a:rPr>
-              <a:t>Introduced in CUDA 4.0</a:t>
-            </a:r>
-            <a:endParaRPr lang="ko-KR" altLang="en-US" dirty="0">
-              <a:latin typeface="+mn-lt"/>
-            </a:endParaRPr>
-          </a:p>
-        </p:txBody>
-      </p:sp>
-      <p:sp>
-        <p:nvSpPr>
-          <p:cNvPr id="3" name="TextBox 2"/>
-          <p:cNvSpPr txBox="1"/>
-          <p:nvPr/>
-        </p:nvSpPr>
-        <p:spPr>
-          <a:xfrm>
-            <a:off x="1691680" y="2996952"/>
-            <a:ext cx="432048" cy="369332"/>
-          </a:xfrm>
-          <a:prstGeom prst="rect">
-            <a:avLst/>
-          </a:prstGeom>
-          <a:noFill/>
-        </p:spPr>
-        <p:txBody>
-          <a:bodyPr wrap="square" rtlCol="0">
-            <a:spAutoFit/>
-          </a:bodyPr>
-          <a:lstStyle/>
-          <a:p>
-            <a:r>
-              <a:rPr lang="en-US" altLang="ko-KR" dirty="0"/>
-              <a:t>0</a:t>
-            </a:r>
-            <a:endParaRPr lang="ko-KR" altLang="en-US" dirty="0"/>
-          </a:p>
-        </p:txBody>
-      </p:sp>
-      <p:sp>
-        <p:nvSpPr>
-          <p:cNvPr id="8" name="TextBox 7"/>
-          <p:cNvSpPr txBox="1"/>
-          <p:nvPr/>
-        </p:nvSpPr>
-        <p:spPr>
-          <a:xfrm>
-            <a:off x="1691680" y="2708920"/>
-            <a:ext cx="1152128" cy="369332"/>
-          </a:xfrm>
-          <a:prstGeom prst="rect">
-            <a:avLst/>
-          </a:prstGeom>
-          <a:noFill/>
-        </p:spPr>
-        <p:txBody>
-          <a:bodyPr wrap="square" rtlCol="0">
-            <a:spAutoFit/>
-          </a:bodyPr>
-          <a:lstStyle/>
-          <a:p>
-            <a:r>
-              <a:rPr lang="en-US" altLang="ko-KR" dirty="0">
-                <a:latin typeface="+mn-lt"/>
-              </a:rPr>
-              <a:t>0x0000</a:t>
-            </a:r>
-            <a:endParaRPr lang="ko-KR" altLang="en-US" dirty="0">
-              <a:latin typeface="+mn-lt"/>
-            </a:endParaRPr>
-          </a:p>
-        </p:txBody>
-      </p:sp>
-      <p:sp>
-        <p:nvSpPr>
-          <p:cNvPr id="10" name="TextBox 9"/>
-          <p:cNvSpPr txBox="1"/>
-          <p:nvPr/>
-        </p:nvSpPr>
-        <p:spPr>
-          <a:xfrm>
-            <a:off x="5580112" y="2708920"/>
-            <a:ext cx="1080120" cy="369332"/>
-          </a:xfrm>
-          <a:prstGeom prst="rect">
-            <a:avLst/>
-          </a:prstGeom>
-          <a:noFill/>
-        </p:spPr>
-        <p:txBody>
-          <a:bodyPr wrap="square" rtlCol="0">
-            <a:spAutoFit/>
-          </a:bodyPr>
-          <a:lstStyle/>
-          <a:p>
-            <a:r>
-              <a:rPr lang="en-US" altLang="ko-KR" dirty="0">
-                <a:latin typeface="+mn-lt"/>
-              </a:rPr>
-              <a:t>0xFFFF</a:t>
-            </a:r>
-            <a:endParaRPr lang="ko-KR" altLang="en-US" dirty="0">
-              <a:latin typeface="+mn-lt"/>
-            </a:endParaRPr>
-          </a:p>
-        </p:txBody>
-      </p:sp>
-      <p:cxnSp>
-        <p:nvCxnSpPr>
-          <p:cNvPr id="12" name="직선 연결선 11"/>
-          <p:cNvCxnSpPr>
-            <a:stCxn id="15" idx="2"/>
-            <a:endCxn id="4" idx="0"/>
-          </p:cNvCxnSpPr>
-          <p:nvPr/>
-        </p:nvCxnSpPr>
-        <p:spPr>
-          <a:xfrm>
-            <a:off x="2339752" y="3602633"/>
-            <a:ext cx="0" cy="204193"/>
-          </a:xfrm>
-          <a:prstGeom prst="line">
-            <a:avLst/>
-          </a:prstGeom>
-          <a:ln>
-            <a:solidFill>
-              <a:srgbClr val="FF0000"/>
-            </a:solidFill>
-          </a:ln>
-        </p:spPr>
-        <p:style>
-          <a:lnRef idx="1">
-            <a:schemeClr val="accent1"/>
-          </a:lnRef>
-          <a:fillRef idx="0">
-            <a:schemeClr val="accent1"/>
-          </a:fillRef>
-          <a:effectRef idx="0">
-            <a:schemeClr val="accent1"/>
-          </a:effectRef>
-          <a:fontRef idx="minor">
-            <a:schemeClr val="tx1"/>
-          </a:fontRef>
-        </p:style>
-      </p:cxnSp>
-      <p:cxnSp>
-        <p:nvCxnSpPr>
-          <p:cNvPr id="20" name="직선 연결선 19"/>
-          <p:cNvCxnSpPr/>
-          <p:nvPr/>
-        </p:nvCxnSpPr>
-        <p:spPr>
-          <a:xfrm>
-            <a:off x="3884636" y="3608916"/>
-            <a:ext cx="0" cy="204193"/>
-          </a:xfrm>
-          <a:prstGeom prst="line">
-            <a:avLst/>
-          </a:prstGeom>
-          <a:ln>
-            <a:solidFill>
-              <a:srgbClr val="FF0000"/>
-            </a:solidFill>
-          </a:ln>
-        </p:spPr>
-        <p:style>
-          <a:lnRef idx="1">
-            <a:schemeClr val="accent1"/>
-          </a:lnRef>
-          <a:fillRef idx="0">
-            <a:schemeClr val="accent1"/>
-          </a:fillRef>
-          <a:effectRef idx="0">
-            <a:schemeClr val="accent1"/>
-          </a:effectRef>
-          <a:fontRef idx="minor">
-            <a:schemeClr val="tx1"/>
-          </a:fontRef>
-        </p:style>
-      </p:cxnSp>
-      <p:cxnSp>
-        <p:nvCxnSpPr>
-          <p:cNvPr id="21" name="직선 연결선 20"/>
-          <p:cNvCxnSpPr/>
-          <p:nvPr/>
-        </p:nvCxnSpPr>
-        <p:spPr>
-          <a:xfrm>
-            <a:off x="5711962" y="3591269"/>
-            <a:ext cx="0" cy="204193"/>
-          </a:xfrm>
-          <a:prstGeom prst="line">
-            <a:avLst/>
-          </a:prstGeom>
-          <a:ln>
-            <a:solidFill>
-              <a:srgbClr val="FF0000"/>
-            </a:solidFill>
-          </a:ln>
-        </p:spPr>
-        <p:style>
-          <a:lnRef idx="1">
-            <a:schemeClr val="accent1"/>
-          </a:lnRef>
-          <a:fillRef idx="0">
-            <a:schemeClr val="accent1"/>
-          </a:fillRef>
-          <a:effectRef idx="0">
-            <a:schemeClr val="accent1"/>
-          </a:effectRef>
-          <a:fontRef idx="minor">
-            <a:schemeClr val="tx1"/>
-          </a:fontRef>
-        </p:style>
-      </p:cxnSp>
-      <p:sp>
-        <p:nvSpPr>
-          <p:cNvPr id="11" name="TextBox 10"/>
-          <p:cNvSpPr txBox="1"/>
-          <p:nvPr/>
-        </p:nvSpPr>
-        <p:spPr>
-          <a:xfrm>
-            <a:off x="1259632" y="2303161"/>
-            <a:ext cx="45719" cy="369332"/>
-          </a:xfrm>
-          <a:prstGeom prst="rect">
-            <a:avLst/>
-          </a:prstGeom>
-          <a:noFill/>
-        </p:spPr>
-        <p:txBody>
-          <a:bodyPr wrap="square" rtlCol="0">
-            <a:spAutoFit/>
-          </a:bodyPr>
-          <a:lstStyle/>
-          <a:p>
-            <a:endParaRPr lang="ko-KR" altLang="en-US" dirty="0"/>
-          </a:p>
-        </p:txBody>
-      </p:sp>
+            </a:ln>
+          </p:spPr>
+          <p:style>
+            <a:lnRef idx="1">
+              <a:schemeClr val="accent1"/>
+            </a:lnRef>
+            <a:fillRef idx="0">
+              <a:schemeClr val="accent1"/>
+            </a:fillRef>
+            <a:effectRef idx="0">
+              <a:schemeClr val="accent1"/>
+            </a:effectRef>
+            <a:fontRef idx="minor">
+              <a:schemeClr val="tx1"/>
+            </a:fontRef>
+          </p:style>
+        </p:cxnSp>
+        <p:cxnSp>
+          <p:nvCxnSpPr>
+            <p:cNvPr id="21" name="직선 연결선 20"/>
+            <p:cNvCxnSpPr/>
+            <p:nvPr/>
+          </p:nvCxnSpPr>
+          <p:spPr>
+            <a:xfrm>
+              <a:off x="5711962" y="3591269"/>
+              <a:ext cx="0" cy="204193"/>
+            </a:xfrm>
+            <a:prstGeom prst="line">
+              <a:avLst/>
+            </a:prstGeom>
+            <a:ln>
+              <a:solidFill>
+                <a:srgbClr val="FF0000"/>
+              </a:solidFill>
+            </a:ln>
+          </p:spPr>
+          <p:style>
+            <a:lnRef idx="1">
+              <a:schemeClr val="accent1"/>
+            </a:lnRef>
+            <a:fillRef idx="0">
+              <a:schemeClr val="accent1"/>
+            </a:fillRef>
+            <a:effectRef idx="0">
+              <a:schemeClr val="accent1"/>
+            </a:effectRef>
+            <a:fontRef idx="minor">
+              <a:schemeClr val="tx1"/>
+            </a:fontRef>
+          </p:style>
+        </p:cxnSp>
+        <p:sp>
+          <p:nvSpPr>
+            <p:cNvPr id="11" name="TextBox 10"/>
+            <p:cNvSpPr txBox="1"/>
+            <p:nvPr/>
+          </p:nvSpPr>
+          <p:spPr>
+            <a:xfrm>
+              <a:off x="1259632" y="2303161"/>
+              <a:ext cx="45719" cy="369332"/>
+            </a:xfrm>
+            <a:prstGeom prst="rect">
+              <a:avLst/>
+            </a:prstGeom>
+            <a:noFill/>
+          </p:spPr>
+          <p:txBody>
+            <a:bodyPr wrap="square" rtlCol="0">
+              <a:spAutoFit/>
+            </a:bodyPr>
+            <a:lstStyle/>
+            <a:p>
+              <a:endParaRPr lang="ko-KR" altLang="en-US" dirty="0"/>
+            </a:p>
+          </p:txBody>
+        </p:sp>
+      </p:grpSp>
     </p:spTree>
     <p:extLst>
       <p:ext uri="{BB962C8B-B14F-4D97-AF65-F5344CB8AC3E}">
@@ -17090,7 +17105,7 @@
         <p:spPr>
           <a:xfrm>
             <a:off x="467544" y="980728"/>
-            <a:ext cx="8229600" cy="4525963"/>
+            <a:ext cx="8229600" cy="5760640"/>
           </a:xfrm>
         </p:spPr>
         <p:txBody>
@@ -17098,13 +17113,31 @@
           <a:lstStyle/>
           <a:p>
             <a:r>
-              <a:rPr lang="en-US" altLang="ko-KR" sz="2800" b="1" dirty="0"/>
+              <a:rPr lang="en-US" altLang="ko-KR" sz="1800" dirty="0" err="1"/>
+              <a:t>Unifed</a:t>
+            </a:r>
+            <a:r>
+              <a:rPr lang="en-US" altLang="ko-KR" sz="1800" dirty="0"/>
+              <a:t> Memory creates a pool of managed memory, where each allocation from this memory pool is accessible on both the CPU and GPU with the same memory address (that is, pointer). The underlying system automatically migrates data in the unified memory space between the host and device</a:t>
+            </a:r>
+            <a:r>
+              <a:rPr lang="en-US" altLang="ko-KR" sz="1600" dirty="0"/>
+              <a:t>.</a:t>
+            </a:r>
+            <a:br>
+              <a:rPr lang="en-US" altLang="ko-KR" sz="1600" dirty="0"/>
+            </a:br>
+            <a:endParaRPr lang="en-US" altLang="ko-KR" sz="1600" b="1" dirty="0"/>
+          </a:p>
+          <a:p>
+            <a:r>
+              <a:rPr lang="en-US" altLang="ko-KR" sz="1600" b="1" dirty="0"/>
               <a:t>Managed memory refers to Unified Memory allocation that are automatically managed by the underlying system.</a:t>
             </a:r>
           </a:p>
           <a:p>
             <a:r>
-              <a:rPr lang="en-US" altLang="ko-KR" sz="2800" b="1" dirty="0">
+              <a:rPr lang="en-US" altLang="ko-KR" sz="1600" b="1" dirty="0">
                 <a:solidFill>
                   <a:srgbClr val="FF0000"/>
                 </a:solidFill>
@@ -17112,7 +17145,7 @@
               <a:t>__device__ __managed__ </a:t>
             </a:r>
             <a:r>
-              <a:rPr lang="en-US" altLang="ko-KR" sz="2800" b="1" dirty="0" err="1">
+              <a:rPr lang="en-US" altLang="ko-KR" sz="1600" b="1" dirty="0" err="1">
                 <a:solidFill>
                   <a:srgbClr val="FF0000"/>
                 </a:solidFill>
@@ -17120,7 +17153,7 @@
               <a:t>int</a:t>
             </a:r>
             <a:r>
-              <a:rPr lang="en-US" altLang="ko-KR" sz="2800" b="1" dirty="0">
+              <a:rPr lang="en-US" altLang="ko-KR" sz="1600" b="1" dirty="0">
                 <a:solidFill>
                   <a:srgbClr val="FF0000"/>
                 </a:solidFill>
@@ -17128,13 +17161,13 @@
               <a:t> y</a:t>
             </a:r>
             <a:r>
-              <a:rPr lang="en-US" altLang="ko-KR" sz="2800" b="1" dirty="0"/>
+              <a:rPr lang="en-US" altLang="ko-KR" sz="1600" b="1" dirty="0"/>
               <a:t>;//This variable can be referenced directly from either host or device code.</a:t>
             </a:r>
           </a:p>
           <a:p>
             <a:r>
-              <a:rPr lang="en-US" altLang="ko-KR" sz="2800" b="1" dirty="0" err="1">
+              <a:rPr lang="en-US" altLang="ko-KR" sz="1600" b="1" dirty="0" err="1">
                 <a:solidFill>
                   <a:srgbClr val="FF0000"/>
                 </a:solidFill>
@@ -17142,7 +17175,7 @@
               <a:t>cudaError_t</a:t>
             </a:r>
             <a:r>
-              <a:rPr lang="en-US" altLang="ko-KR" sz="2800" b="1" dirty="0">
+              <a:rPr lang="en-US" altLang="ko-KR" sz="1600" b="1" dirty="0">
                 <a:solidFill>
                   <a:srgbClr val="FF0000"/>
                 </a:solidFill>
@@ -17150,7 +17183,7 @@
               <a:t> </a:t>
             </a:r>
             <a:r>
-              <a:rPr lang="en-US" altLang="ko-KR" sz="2800" b="1" dirty="0" err="1">
+              <a:rPr lang="en-US" altLang="ko-KR" sz="1600" b="1" dirty="0" err="1">
                 <a:solidFill>
                   <a:srgbClr val="FF0000"/>
                 </a:solidFill>
@@ -17158,27 +17191,27 @@
               <a:t>cudaMallocManaged</a:t>
             </a:r>
             <a:r>
-              <a:rPr lang="en-US" altLang="ko-KR" sz="2800" b="1" dirty="0"/>
+              <a:rPr lang="en-US" altLang="ko-KR" sz="1600" b="1" dirty="0"/>
               <a:t>(void **</a:t>
             </a:r>
             <a:r>
-              <a:rPr lang="en-US" altLang="ko-KR" sz="2800" b="1" dirty="0" err="1"/>
+              <a:rPr lang="en-US" altLang="ko-KR" sz="1600" b="1" dirty="0" err="1"/>
               <a:t>devPtr</a:t>
             </a:r>
             <a:r>
-              <a:rPr lang="en-US" altLang="ko-KR" sz="2800" b="1" dirty="0"/>
+              <a:rPr lang="en-US" altLang="ko-KR" sz="1600" b="1" dirty="0"/>
               <a:t>, </a:t>
             </a:r>
             <a:r>
-              <a:rPr lang="en-US" altLang="ko-KR" sz="2800" b="1" dirty="0" err="1"/>
+              <a:rPr lang="en-US" altLang="ko-KR" sz="1600" b="1" dirty="0" err="1"/>
               <a:t>size_t</a:t>
             </a:r>
             <a:r>
-              <a:rPr lang="en-US" altLang="ko-KR" sz="2800" b="1" dirty="0"/>
+              <a:rPr lang="en-US" altLang="ko-KR" sz="1600" b="1" dirty="0"/>
               <a:t> </a:t>
             </a:r>
             <a:r>
-              <a:rPr lang="en-US" altLang="ko-KR" sz="2800" b="1" dirty="0">
+              <a:rPr lang="en-US" altLang="ko-KR" sz="1600" b="1" dirty="0">
                 <a:solidFill>
                   <a:srgbClr val="FF0000"/>
                 </a:solidFill>
@@ -17186,15 +17219,15 @@
               <a:t>size</a:t>
             </a:r>
             <a:r>
-              <a:rPr lang="en-US" altLang="ko-KR" sz="2800" b="1" dirty="0"/>
+              <a:rPr lang="en-US" altLang="ko-KR" sz="1600" b="1" dirty="0"/>
               <a:t>, unsigned </a:t>
             </a:r>
             <a:r>
-              <a:rPr lang="en-US" altLang="ko-KR" sz="2800" b="1" dirty="0" err="1"/>
+              <a:rPr lang="en-US" altLang="ko-KR" sz="1600" b="1" dirty="0" err="1"/>
               <a:t>int</a:t>
             </a:r>
             <a:r>
-              <a:rPr lang="en-US" altLang="ko-KR" sz="2800" b="1" dirty="0"/>
+              <a:rPr lang="en-US" altLang="ko-KR" sz="1600" b="1" dirty="0"/>
               <a:t> flags=0);//the host can use this.</a:t>
             </a:r>
           </a:p>
@@ -17203,11 +17236,11 @@
               <a:buNone/>
             </a:pPr>
             <a:r>
-              <a:rPr lang="en-US" altLang="ko-KR" sz="2800" b="1" dirty="0"/>
+              <a:rPr lang="en-US" altLang="ko-KR" sz="1600" b="1" dirty="0"/>
               <a:t>   This function allocates </a:t>
             </a:r>
             <a:r>
-              <a:rPr lang="en-US" altLang="ko-KR" sz="2800" b="1" dirty="0">
+              <a:rPr lang="en-US" altLang="ko-KR" sz="1600" b="1" dirty="0">
                 <a:solidFill>
                   <a:srgbClr val="FF0000"/>
                 </a:solidFill>
@@ -17215,7 +17248,7 @@
               <a:t>size bytes of managed memory and returns a pointer </a:t>
             </a:r>
             <a:r>
-              <a:rPr lang="en-US" altLang="ko-KR" sz="2800" b="1" dirty="0" err="1">
+              <a:rPr lang="en-US" altLang="ko-KR" sz="1600" b="1" dirty="0" err="1">
                 <a:solidFill>
                   <a:srgbClr val="FF0000"/>
                 </a:solidFill>
@@ -17223,7 +17256,7 @@
               <a:t>devPtr</a:t>
             </a:r>
             <a:r>
-              <a:rPr lang="en-US" altLang="ko-KR" sz="2800" b="1" dirty="0">
+              <a:rPr lang="en-US" altLang="ko-KR" sz="1600" b="1" dirty="0">
                 <a:solidFill>
                   <a:srgbClr val="FF0000"/>
                 </a:solidFill>

--- a/gpu/EE817 Lecture 5 CUDA Memory Architecture.pptx
+++ b/gpu/EE817 Lecture 5 CUDA Memory Architecture.pptx
@@ -308,7 +308,7 @@
           <a:p>
             <a:fld id="{0958D145-3F61-4970-8B92-DDA610F3EB4F}" type="datetimeFigureOut">
               <a:rPr lang="ko-KR" altLang="en-US" smtClean="0"/>
-              <a:t>2017-04-12</a:t>
+              <a:t>2017-04-18</a:t>
             </a:fld>
             <a:endParaRPr lang="ko-KR" altLang="en-US" dirty="0"/>
           </a:p>
@@ -503,7 +503,7 @@
               <a:pPr>
                 <a:defRPr/>
               </a:pPr>
-              <a:t>2017-04-12</a:t>
+              <a:t>2017-04-18</a:t>
             </a:fld>
             <a:endParaRPr lang="ko-KR" altLang="en-US" dirty="0"/>
           </a:p>
@@ -1275,7 +1275,7 @@
               <a:pPr>
                 <a:defRPr/>
               </a:pPr>
-              <a:t>4/12/2017</a:t>
+              <a:t>4/18/2017</a:t>
             </a:fld>
             <a:endParaRPr lang="en-US" altLang="ko-KR" dirty="0"/>
           </a:p>
@@ -1477,7 +1477,7 @@
               <a:pPr>
                 <a:defRPr/>
               </a:pPr>
-              <a:t>4/12/2017</a:t>
+              <a:t>4/18/2017</a:t>
             </a:fld>
             <a:endParaRPr lang="en-US" altLang="ko-KR" dirty="0"/>
           </a:p>
@@ -1910,7 +1910,7 @@
               <a:pPr>
                 <a:defRPr/>
               </a:pPr>
-              <a:t>4/12/2017</a:t>
+              <a:t>4/18/2017</a:t>
             </a:fld>
             <a:endParaRPr lang="en-US" altLang="ko-KR" dirty="0"/>
           </a:p>
@@ -2107,7 +2107,7 @@
               <a:pPr>
                 <a:defRPr/>
               </a:pPr>
-              <a:t>4/12/2017</a:t>
+              <a:t>4/18/2017</a:t>
             </a:fld>
             <a:endParaRPr lang="en-US" altLang="ko-KR" dirty="0"/>
           </a:p>
@@ -2622,7 +2622,7 @@
               <a:pPr>
                 <a:defRPr/>
               </a:pPr>
-              <a:t>4/12/2017</a:t>
+              <a:t>4/18/2017</a:t>
             </a:fld>
             <a:endParaRPr lang="en-US" altLang="ko-KR" dirty="0"/>
           </a:p>
@@ -2937,7 +2937,7 @@
               <a:pPr>
                 <a:defRPr/>
               </a:pPr>
-              <a:t>4/12/2017</a:t>
+              <a:t>4/18/2017</a:t>
             </a:fld>
             <a:endParaRPr lang="en-US" altLang="ko-KR" dirty="0"/>
           </a:p>
@@ -3440,7 +3440,7 @@
               <a:pPr>
                 <a:defRPr/>
               </a:pPr>
-              <a:t>4/12/2017</a:t>
+              <a:t>4/18/2017</a:t>
             </a:fld>
             <a:endParaRPr lang="en-US" altLang="ko-KR" dirty="0"/>
           </a:p>
@@ -3828,7 +3828,7 @@
               <a:pPr>
                 <a:defRPr/>
               </a:pPr>
-              <a:t>4/12/2017</a:t>
+              <a:t>4/18/2017</a:t>
             </a:fld>
             <a:endParaRPr lang="en-US" altLang="ko-KR" dirty="0"/>
           </a:p>
@@ -4286,7 +4286,7 @@
               <a:pPr>
                 <a:defRPr/>
               </a:pPr>
-              <a:t>4/12/2017</a:t>
+              <a:t>4/18/2017</a:t>
             </a:fld>
             <a:endParaRPr lang="en-US" altLang="ko-KR" dirty="0"/>
           </a:p>
@@ -4584,7 +4584,7 @@
               <a:pPr>
                 <a:defRPr/>
               </a:pPr>
-              <a:t>4/12/2017</a:t>
+              <a:t>4/18/2017</a:t>
             </a:fld>
             <a:endParaRPr lang="en-US" altLang="ko-KR" dirty="0"/>
           </a:p>
@@ -4914,7 +4914,7 @@
               <a:pPr>
                 <a:defRPr/>
               </a:pPr>
-              <a:t>4/12/2017</a:t>
+              <a:t>4/18/2017</a:t>
             </a:fld>
             <a:endParaRPr lang="en-US" altLang="ko-KR" dirty="0"/>
           </a:p>
@@ -5432,7 +5432,7 @@
               <a:pPr>
                 <a:defRPr/>
               </a:pPr>
-              <a:t>4/12/2017</a:t>
+              <a:t>4/18/2017</a:t>
             </a:fld>
             <a:endParaRPr lang="en-US" altLang="ko-KR" dirty="0"/>
           </a:p>
@@ -7610,14 +7610,7 @@
             </a:pPr>
             <a:r>
               <a:rPr lang="en-US" altLang="ko-KR" sz="2000" dirty="0"/>
-              <a:t>If each thread in a warp reads from a different address, and only reads once, then constant memory is not the best choice because a single read from constant memory broadcasts to all threads</a:t>
-            </a:r>
-            <a:br>
-              <a:rPr lang="en-US" altLang="ko-KR" sz="2000" dirty="0"/>
-            </a:br>
-            <a:r>
-              <a:rPr lang="en-US" altLang="ko-KR" sz="2000" dirty="0"/>
-              <a:t>in a warp. </a:t>
+              <a:t>If each thread in a warp reads from a different address, and only reads once, then constant memory is not the best choice because a single read from constant memory broadcasts to all threads in a warp. </a:t>
             </a:r>
             <a:br>
               <a:rPr lang="en-US" altLang="ko-KR" dirty="0"/>
@@ -33079,7 +33072,11 @@
           <a:lstStyle/>
           <a:p>
             <a:r>
-              <a:rPr lang="en-US" altLang="ko-KR" dirty="0"/>
+              <a:rPr lang="en-US" altLang="ko-KR" dirty="0">
+                <a:solidFill>
+                  <a:srgbClr val="FF0000"/>
+                </a:solidFill>
+              </a:rPr>
               <a:t>L1 cache is not used for store operations.</a:t>
             </a:r>
           </a:p>

--- a/gpu/EE817 Lecture 5 CUDA Memory Architecture.pptx
+++ b/gpu/EE817 Lecture 5 CUDA Memory Architecture.pptx
@@ -226,6 +226,10 @@
 </p:presentation>
 </file>
 
+<file path=ppt/revisionInfo.xml><?xml version="1.0" encoding="utf-8"?>
+<p1510:revInfo xmlns:a="http://schemas.openxmlformats.org/drawingml/2006/main" xmlns:r="http://schemas.openxmlformats.org/officeDocument/2006/relationships" xmlns:p1510="http://schemas.microsoft.com/office/powerpoint/2015/10/main"/>
+</file>
+
 <file path=ppt/handoutMasters/handoutMaster1.xml><?xml version="1.0" encoding="utf-8"?>
 <p:handoutMaster xmlns:a="http://schemas.openxmlformats.org/drawingml/2006/main" xmlns:r="http://schemas.openxmlformats.org/officeDocument/2006/relationships" xmlns:p="http://schemas.openxmlformats.org/presentationml/2006/main">
   <p:cSld>
@@ -308,7 +312,7 @@
           <a:p>
             <a:fld id="{0958D145-3F61-4970-8B92-DDA610F3EB4F}" type="datetimeFigureOut">
               <a:rPr lang="ko-KR" altLang="en-US" smtClean="0"/>
-              <a:t>2017-04-18</a:t>
+              <a:t>2017-06-14</a:t>
             </a:fld>
             <a:endParaRPr lang="ko-KR" altLang="en-US" dirty="0"/>
           </a:p>
@@ -503,7 +507,7 @@
               <a:pPr>
                 <a:defRPr/>
               </a:pPr>
-              <a:t>2017-04-18</a:t>
+              <a:t>2017-06-14</a:t>
             </a:fld>
             <a:endParaRPr lang="ko-KR" altLang="en-US" dirty="0"/>
           </a:p>
@@ -1275,7 +1279,7 @@
               <a:pPr>
                 <a:defRPr/>
               </a:pPr>
-              <a:t>4/18/2017</a:t>
+              <a:t>6/14/2017</a:t>
             </a:fld>
             <a:endParaRPr lang="en-US" altLang="ko-KR" dirty="0"/>
           </a:p>
@@ -1477,7 +1481,7 @@
               <a:pPr>
                 <a:defRPr/>
               </a:pPr>
-              <a:t>4/18/2017</a:t>
+              <a:t>6/14/2017</a:t>
             </a:fld>
             <a:endParaRPr lang="en-US" altLang="ko-KR" dirty="0"/>
           </a:p>
@@ -1910,7 +1914,7 @@
               <a:pPr>
                 <a:defRPr/>
               </a:pPr>
-              <a:t>4/18/2017</a:t>
+              <a:t>6/14/2017</a:t>
             </a:fld>
             <a:endParaRPr lang="en-US" altLang="ko-KR" dirty="0"/>
           </a:p>
@@ -2107,7 +2111,7 @@
               <a:pPr>
                 <a:defRPr/>
               </a:pPr>
-              <a:t>4/18/2017</a:t>
+              <a:t>6/14/2017</a:t>
             </a:fld>
             <a:endParaRPr lang="en-US" altLang="ko-KR" dirty="0"/>
           </a:p>
@@ -2622,7 +2626,7 @@
               <a:pPr>
                 <a:defRPr/>
               </a:pPr>
-              <a:t>4/18/2017</a:t>
+              <a:t>6/14/2017</a:t>
             </a:fld>
             <a:endParaRPr lang="en-US" altLang="ko-KR" dirty="0"/>
           </a:p>
@@ -2937,7 +2941,7 @@
               <a:pPr>
                 <a:defRPr/>
               </a:pPr>
-              <a:t>4/18/2017</a:t>
+              <a:t>6/14/2017</a:t>
             </a:fld>
             <a:endParaRPr lang="en-US" altLang="ko-KR" dirty="0"/>
           </a:p>
@@ -3440,7 +3444,7 @@
               <a:pPr>
                 <a:defRPr/>
               </a:pPr>
-              <a:t>4/18/2017</a:t>
+              <a:t>6/14/2017</a:t>
             </a:fld>
             <a:endParaRPr lang="en-US" altLang="ko-KR" dirty="0"/>
           </a:p>
@@ -3828,7 +3832,7 @@
               <a:pPr>
                 <a:defRPr/>
               </a:pPr>
-              <a:t>4/18/2017</a:t>
+              <a:t>6/14/2017</a:t>
             </a:fld>
             <a:endParaRPr lang="en-US" altLang="ko-KR" dirty="0"/>
           </a:p>
@@ -4286,7 +4290,7 @@
               <a:pPr>
                 <a:defRPr/>
               </a:pPr>
-              <a:t>4/18/2017</a:t>
+              <a:t>6/14/2017</a:t>
             </a:fld>
             <a:endParaRPr lang="en-US" altLang="ko-KR" dirty="0"/>
           </a:p>
@@ -4584,7 +4588,7 @@
               <a:pPr>
                 <a:defRPr/>
               </a:pPr>
-              <a:t>4/18/2017</a:t>
+              <a:t>6/14/2017</a:t>
             </a:fld>
             <a:endParaRPr lang="en-US" altLang="ko-KR" dirty="0"/>
           </a:p>
@@ -4914,7 +4918,7 @@
               <a:pPr>
                 <a:defRPr/>
               </a:pPr>
-              <a:t>4/18/2017</a:t>
+              <a:t>6/14/2017</a:t>
             </a:fld>
             <a:endParaRPr lang="en-US" altLang="ko-KR" dirty="0"/>
           </a:p>
@@ -5432,7 +5436,7 @@
               <a:pPr>
                 <a:defRPr/>
               </a:pPr>
-              <a:t>4/18/2017</a:t>
+              <a:t>6/14/2017</a:t>
             </a:fld>
             <a:endParaRPr lang="en-US" altLang="ko-KR" dirty="0"/>
           </a:p>
@@ -17360,6 +17364,65 @@
           </p:txBody>
         </p:sp>
       </p:grpSp>
+      <p:sp>
+        <p:nvSpPr>
+          <p:cNvPr id="16" name="TextBox 15">
+            <a:extLst>
+              <a:ext uri="{FF2B5EF4-FFF2-40B4-BE49-F238E27FC236}">
+                <a16:creationId xmlns:a16="http://schemas.microsoft.com/office/drawing/2014/main" id="{91DFDC4D-3864-4F9D-A571-F68A2A578781}"/>
+              </a:ext>
+            </a:extLst>
+          </p:cNvPr>
+          <p:cNvSpPr txBox="1"/>
+          <p:nvPr/>
+        </p:nvSpPr>
+        <p:spPr>
+          <a:xfrm>
+            <a:off x="457200" y="4752910"/>
+            <a:ext cx="8462573" cy="1169551"/>
+          </a:xfrm>
+          <a:prstGeom prst="rect">
+            <a:avLst/>
+          </a:prstGeom>
+          <a:noFill/>
+        </p:spPr>
+        <p:txBody>
+          <a:bodyPr wrap="none" rtlCol="0">
+            <a:spAutoFit/>
+          </a:bodyPr>
+          <a:lstStyle/>
+          <a:p>
+            <a:r>
+              <a:rPr lang="en-US" altLang="ko-KR" sz="1400" dirty="0"/>
+              <a:t>With UVA, host memory and device memory share a single virtual address Space.</a:t>
+            </a:r>
+          </a:p>
+          <a:p>
+            <a:r>
+              <a:rPr lang="en-US" altLang="ko-KR" sz="1400" dirty="0"/>
+              <a:t>Prior to UVA, you needed to manage which pointers referred to host memory and which referred</a:t>
+            </a:r>
+            <a:br>
+              <a:rPr lang="en-US" altLang="ko-KR" sz="1400" dirty="0"/>
+            </a:br>
+            <a:r>
+              <a:rPr lang="en-US" altLang="ko-KR" sz="1400" dirty="0"/>
+              <a:t>to device memory. Using UVA, the memory space referenced by a pointer becomes transparent to</a:t>
+            </a:r>
+            <a:br>
+              <a:rPr lang="en-US" altLang="ko-KR" sz="1400" dirty="0"/>
+            </a:br>
+            <a:r>
+              <a:rPr lang="en-US" altLang="ko-KR" sz="1400" dirty="0"/>
+              <a:t>application code </a:t>
+            </a:r>
+            <a:br>
+              <a:rPr lang="en-US" altLang="ko-KR" sz="1400" dirty="0"/>
+            </a:br>
+            <a:endParaRPr lang="ko-KR" altLang="en-US" sz="1400" dirty="0"/>
+          </a:p>
+        </p:txBody>
+      </p:sp>
     </p:spTree>
     <p:extLst>
       <p:ext uri="{BB962C8B-B14F-4D97-AF65-F5344CB8AC3E}">
@@ -27575,7 +27638,7 @@
         <p:spPr>
           <a:xfrm>
             <a:off x="462940" y="1340768"/>
-            <a:ext cx="8229600" cy="4525963"/>
+            <a:ext cx="8229600" cy="5517232"/>
           </a:xfrm>
         </p:spPr>
         <p:txBody>
